--- a/fuentes/contenidos/grado07/guion14/MapaConceptual_MA_07_14_CO.pptx
+++ b/fuentes/contenidos/grado07/guion14/MapaConceptual_MA_07_14_CO.pptx
@@ -450,7 +450,7 @@
           <a:p>
             <a:fld id="{5001C876-01F7-4317-94B9-1AE222133113}" type="datetimeFigureOut">
               <a:rPr lang="es-ES" smtClean="0"/>
-              <a:t>26/03/2016</a:t>
+              <a:t>28/03/2016</a:t>
             </a:fld>
             <a:endParaRPr lang="es-ES"/>
           </a:p>
@@ -1850,167 +1850,6 @@
       </p:cxnSp>
       <p:sp>
         <p:nvSpPr>
-          <p:cNvPr id="308" name="Rectángulo 307" descr="Nodo de cuarto nivel&#10;" title="Nodo04"/>
-          <p:cNvSpPr/>
-          <p:nvPr/>
-        </p:nvSpPr>
-        <p:spPr>
-          <a:xfrm>
-            <a:off x="11410159" y="4569582"/>
-            <a:ext cx="1122431" cy="353519"/>
-          </a:xfrm>
-          <a:prstGeom prst="rect">
-            <a:avLst/>
-          </a:prstGeom>
-          <a:solidFill>
-            <a:schemeClr val="bg1"/>
-          </a:solidFill>
-          <a:ln>
-            <a:solidFill>
-              <a:schemeClr val="tx1"/>
-            </a:solidFill>
-          </a:ln>
-        </p:spPr>
-        <p:style>
-          <a:lnRef idx="2">
-            <a:schemeClr val="accent6"/>
-          </a:lnRef>
-          <a:fillRef idx="1">
-            <a:schemeClr val="lt1"/>
-          </a:fillRef>
-          <a:effectRef idx="0">
-            <a:schemeClr val="accent6"/>
-          </a:effectRef>
-          <a:fontRef idx="minor">
-            <a:schemeClr val="dk1"/>
-          </a:fontRef>
-        </p:style>
-        <p:txBody>
-          <a:bodyPr rtlCol="0" anchor="ctr"/>
-          <a:lstStyle/>
-          <a:p>
-            <a:pPr algn="ctr"/>
-            <a:r>
-              <a:rPr lang="es-ES" sz="900" dirty="0" smtClean="0">
-                <a:solidFill>
-                  <a:schemeClr val="tx1"/>
-                </a:solidFill>
-                <a:latin typeface="Arial" panose="020B0604020202020204" pitchFamily="34" charset="0"/>
-                <a:cs typeface="Arial" panose="020B0604020202020204" pitchFamily="34" charset="0"/>
-              </a:rPr>
-              <a:t>nodo de cuarto nivel</a:t>
-            </a:r>
-            <a:endParaRPr lang="es-ES" sz="900" dirty="0">
-              <a:solidFill>
-                <a:schemeClr val="tx1"/>
-              </a:solidFill>
-              <a:latin typeface="Arial" panose="020B0604020202020204" pitchFamily="34" charset="0"/>
-              <a:cs typeface="Arial" panose="020B0604020202020204" pitchFamily="34" charset="0"/>
-            </a:endParaRPr>
-          </a:p>
-        </p:txBody>
-      </p:sp>
-      <p:sp>
-        <p:nvSpPr>
-          <p:cNvPr id="309" name="Rectángulo 308" descr="Nodo de quinto nivel" title="Nodo05"/>
-          <p:cNvSpPr/>
-          <p:nvPr/>
-        </p:nvSpPr>
-        <p:spPr>
-          <a:xfrm>
-            <a:off x="11214129" y="6433623"/>
-            <a:ext cx="1118927" cy="353519"/>
-          </a:xfrm>
-          <a:prstGeom prst="rect">
-            <a:avLst/>
-          </a:prstGeom>
-          <a:solidFill>
-            <a:schemeClr val="bg1"/>
-          </a:solidFill>
-          <a:ln>
-            <a:solidFill>
-              <a:schemeClr val="tx1"/>
-            </a:solidFill>
-          </a:ln>
-        </p:spPr>
-        <p:style>
-          <a:lnRef idx="2">
-            <a:schemeClr val="accent6"/>
-          </a:lnRef>
-          <a:fillRef idx="1">
-            <a:schemeClr val="lt1"/>
-          </a:fillRef>
-          <a:effectRef idx="0">
-            <a:schemeClr val="accent6"/>
-          </a:effectRef>
-          <a:fontRef idx="minor">
-            <a:schemeClr val="dk1"/>
-          </a:fontRef>
-        </p:style>
-        <p:txBody>
-          <a:bodyPr rtlCol="0" anchor="ctr"/>
-          <a:lstStyle/>
-          <a:p>
-            <a:pPr algn="ctr"/>
-            <a:r>
-              <a:rPr lang="es-ES" sz="900" dirty="0" smtClean="0">
-                <a:solidFill>
-                  <a:schemeClr val="tx1"/>
-                </a:solidFill>
-                <a:latin typeface="Arial" panose="020B0604020202020204" pitchFamily="34" charset="0"/>
-                <a:cs typeface="Arial" panose="020B0604020202020204" pitchFamily="34" charset="0"/>
-              </a:rPr>
-              <a:t>nodo de quinto nivel</a:t>
-            </a:r>
-            <a:endParaRPr lang="es-ES" sz="900" dirty="0">
-              <a:solidFill>
-                <a:schemeClr val="tx1"/>
-              </a:solidFill>
-              <a:latin typeface="Arial" panose="020B0604020202020204" pitchFamily="34" charset="0"/>
-              <a:cs typeface="Arial" panose="020B0604020202020204" pitchFamily="34" charset="0"/>
-            </a:endParaRPr>
-          </a:p>
-        </p:txBody>
-      </p:sp>
-      <p:sp>
-        <p:nvSpPr>
-          <p:cNvPr id="311" name="CuadroTexto 310" descr="Conector entre nodos" title="conector"/>
-          <p:cNvSpPr txBox="1"/>
-          <p:nvPr/>
-        </p:nvSpPr>
-        <p:spPr>
-          <a:xfrm>
-            <a:off x="11411911" y="5089740"/>
-            <a:ext cx="1117174" cy="230832"/>
-          </a:xfrm>
-          <a:prstGeom prst="rect">
-            <a:avLst/>
-          </a:prstGeom>
-          <a:noFill/>
-        </p:spPr>
-        <p:txBody>
-          <a:bodyPr wrap="square" rtlCol="0">
-            <a:spAutoFit/>
-          </a:bodyPr>
-          <a:lstStyle/>
-          <a:p>
-            <a:pPr algn="ctr"/>
-            <a:r>
-              <a:rPr lang="es-ES" sz="900" dirty="0" smtClean="0">
-                <a:latin typeface="Arial" panose="020B0604020202020204" pitchFamily="34" charset="0"/>
-                <a:cs typeface="Arial" panose="020B0604020202020204" pitchFamily="34" charset="0"/>
-              </a:rPr>
-              <a:t>conector</a:t>
-            </a:r>
-            <a:endParaRPr lang="es-ES" sz="900" dirty="0">
-              <a:latin typeface="Arial" panose="020B0604020202020204" pitchFamily="34" charset="0"/>
-              <a:cs typeface="Arial" panose="020B0604020202020204" pitchFamily="34" charset="0"/>
-            </a:endParaRPr>
-          </a:p>
-        </p:txBody>
-      </p:sp>
-      <p:sp>
-        <p:nvSpPr>
           <p:cNvPr id="335" name="Rectángulo 334" descr="Nodo de primer nivel" title="Nodo01"/>
           <p:cNvSpPr/>
           <p:nvPr/>
@@ -2738,108 +2577,6 @@
           </a:xfrm>
           <a:prstGeom prst="bentConnector3">
             <a:avLst/>
-          </a:prstGeom>
-          <a:ln w="12700">
-            <a:solidFill>
-              <a:schemeClr val="tx1"/>
-            </a:solidFill>
-          </a:ln>
-        </p:spPr>
-        <p:style>
-          <a:lnRef idx="1">
-            <a:schemeClr val="accent1"/>
-          </a:lnRef>
-          <a:fillRef idx="0">
-            <a:schemeClr val="accent1"/>
-          </a:fillRef>
-          <a:effectRef idx="0">
-            <a:schemeClr val="accent1"/>
-          </a:effectRef>
-          <a:fontRef idx="minor">
-            <a:schemeClr val="tx1"/>
-          </a:fontRef>
-        </p:style>
-      </p:cxnSp>
-      <p:sp>
-        <p:nvSpPr>
-          <p:cNvPr id="366" name="Rectángulo 365" descr="Nodo de quinto nivel" title="Nodo05"/>
-          <p:cNvSpPr/>
-          <p:nvPr/>
-        </p:nvSpPr>
-        <p:spPr>
-          <a:xfrm>
-            <a:off x="12018459" y="5955949"/>
-            <a:ext cx="1118927" cy="353519"/>
-          </a:xfrm>
-          <a:prstGeom prst="rect">
-            <a:avLst/>
-          </a:prstGeom>
-          <a:solidFill>
-            <a:schemeClr val="bg1"/>
-          </a:solidFill>
-          <a:ln>
-            <a:solidFill>
-              <a:schemeClr val="tx1"/>
-            </a:solidFill>
-          </a:ln>
-        </p:spPr>
-        <p:style>
-          <a:lnRef idx="2">
-            <a:schemeClr val="accent6"/>
-          </a:lnRef>
-          <a:fillRef idx="1">
-            <a:schemeClr val="lt1"/>
-          </a:fillRef>
-          <a:effectRef idx="0">
-            <a:schemeClr val="accent6"/>
-          </a:effectRef>
-          <a:fontRef idx="minor">
-            <a:schemeClr val="dk1"/>
-          </a:fontRef>
-        </p:style>
-        <p:txBody>
-          <a:bodyPr rtlCol="0" anchor="ctr"/>
-          <a:lstStyle/>
-          <a:p>
-            <a:pPr algn="ctr"/>
-            <a:r>
-              <a:rPr lang="es-ES" sz="900" dirty="0" smtClean="0">
-                <a:solidFill>
-                  <a:schemeClr val="tx1"/>
-                </a:solidFill>
-                <a:latin typeface="Arial" panose="020B0604020202020204" pitchFamily="34" charset="0"/>
-                <a:cs typeface="Arial" panose="020B0604020202020204" pitchFamily="34" charset="0"/>
-              </a:rPr>
-              <a:t>nodo de quinto nivel</a:t>
-            </a:r>
-            <a:endParaRPr lang="es-ES" sz="900" dirty="0">
-              <a:solidFill>
-                <a:schemeClr val="tx1"/>
-              </a:solidFill>
-              <a:latin typeface="Arial" panose="020B0604020202020204" pitchFamily="34" charset="0"/>
-              <a:cs typeface="Arial" panose="020B0604020202020204" pitchFamily="34" charset="0"/>
-            </a:endParaRPr>
-          </a:p>
-        </p:txBody>
-      </p:sp>
-      <p:cxnSp>
-        <p:nvCxnSpPr>
-          <p:cNvPr id="367" name="Conector angular 366"/>
-          <p:cNvCxnSpPr>
-            <a:stCxn id="366" idx="0"/>
-            <a:endCxn id="311" idx="2"/>
-          </p:cNvCxnSpPr>
-          <p:nvPr/>
-        </p:nvCxnSpPr>
-        <p:spPr>
-          <a:xfrm rot="16200000" flipV="1">
-            <a:off x="11956523" y="5334548"/>
-            <a:ext cx="635377" cy="607425"/>
-          </a:xfrm>
-          <a:prstGeom prst="bentConnector3">
-            <a:avLst>
-              <a:gd name="adj1" fmla="val 11349"/>
-            </a:avLst>
           </a:prstGeom>
           <a:ln w="12700">
             <a:solidFill>
@@ -3464,13 +3201,6 @@
               </a:rPr>
               <a:t>- polígono de frecuencia</a:t>
             </a:r>
-            <a:endParaRPr lang="es-ES" sz="900" dirty="0" smtClean="0">
-              <a:solidFill>
-                <a:schemeClr val="tx1"/>
-              </a:solidFill>
-              <a:latin typeface="Arial" panose="020B0604020202020204" pitchFamily="34" charset="0"/>
-              <a:cs typeface="Arial" panose="020B0604020202020204" pitchFamily="34" charset="0"/>
-            </a:endParaRPr>
           </a:p>
           <a:p>
             <a:r>
@@ -4114,14 +3844,7 @@
                 <a:latin typeface="Arial" panose="020B0604020202020204" pitchFamily="34" charset="0"/>
                 <a:cs typeface="Arial" panose="020B0604020202020204" pitchFamily="34" charset="0"/>
               </a:rPr>
-              <a:t>como</a:t>
-            </a:r>
-            <a:r>
-              <a:rPr lang="es-ES" sz="900" dirty="0" smtClean="0">
-                <a:latin typeface="Arial" panose="020B0604020202020204" pitchFamily="34" charset="0"/>
-                <a:cs typeface="Arial" panose="020B0604020202020204" pitchFamily="34" charset="0"/>
-              </a:rPr>
-              <a:t> </a:t>
+              <a:t>como </a:t>
             </a:r>
             <a:endParaRPr lang="es-ES" sz="900" dirty="0">
               <a:latin typeface="Arial" panose="020B0604020202020204" pitchFamily="34" charset="0"/>

--- a/fuentes/contenidos/grado07/guion14/MapaConceptual_MA_07_14_CO.pptx
+++ b/fuentes/contenidos/grado07/guion14/MapaConceptual_MA_07_14_CO.pptx
@@ -139,13 +139,6 @@
   <p:clrMapOvr>
     <a:masterClrMapping/>
   </p:clrMapOvr>
-  <p:timing>
-    <p:tnLst>
-      <p:par>
-        <p:cTn id="1" dur="indefinite" restart="never" nodeType="tmRoot"/>
-      </p:par>
-    </p:tnLst>
-  </p:timing>
 </p:sldLayout>
 </file>
 
@@ -176,13 +169,6 @@
   <p:clrMapOvr>
     <a:masterClrMapping/>
   </p:clrMapOvr>
-  <p:timing>
-    <p:tnLst>
-      <p:par>
-        <p:cTn id="1" dur="indefinite" restart="never" nodeType="tmRoot"/>
-      </p:par>
-    </p:tnLst>
-  </p:timing>
 </p:sldLayout>
 </file>
 
@@ -213,13 +199,6 @@
   <p:clrMapOvr>
     <a:masterClrMapping/>
   </p:clrMapOvr>
-  <p:timing>
-    <p:tnLst>
-      <p:par>
-        <p:cTn id="1" dur="indefinite" restart="never" nodeType="tmRoot"/>
-      </p:par>
-    </p:tnLst>
-  </p:timing>
 </p:sldLayout>
 </file>
 
@@ -250,13 +229,6 @@
   <p:clrMapOvr>
     <a:masterClrMapping/>
   </p:clrMapOvr>
-  <p:timing>
-    <p:tnLst>
-      <p:par>
-        <p:cTn id="1" dur="indefinite" restart="never" nodeType="tmRoot"/>
-      </p:par>
-    </p:tnLst>
-  </p:timing>
 </p:sldLayout>
 </file>
 
@@ -287,13 +259,6 @@
   <p:clrMapOvr>
     <a:masterClrMapping/>
   </p:clrMapOvr>
-  <p:timing>
-    <p:tnLst>
-      <p:par>
-        <p:cTn id="1" dur="indefinite" restart="never" nodeType="tmRoot"/>
-      </p:par>
-    </p:tnLst>
-  </p:timing>
 </p:sldLayout>
 </file>
 
@@ -324,13 +289,6 @@
   <p:clrMapOvr>
     <a:masterClrMapping/>
   </p:clrMapOvr>
-  <p:timing>
-    <p:tnLst>
-      <p:par>
-        <p:cTn id="1" dur="indefinite" restart="never" nodeType="tmRoot"/>
-      </p:par>
-    </p:tnLst>
-  </p:timing>
 </p:sldLayout>
 </file>
 
@@ -361,13 +319,6 @@
   <p:clrMapOvr>
     <a:masterClrMapping/>
   </p:clrMapOvr>
-  <p:timing>
-    <p:tnLst>
-      <p:par>
-        <p:cTn id="1" dur="indefinite" restart="never" nodeType="tmRoot"/>
-      </p:par>
-    </p:tnLst>
-  </p:timing>
 </p:sldLayout>
 </file>
 
@@ -398,13 +349,6 @@
   <p:clrMapOvr>
     <a:masterClrMapping/>
   </p:clrMapOvr>
-  <p:timing>
-    <p:tnLst>
-      <p:par>
-        <p:cTn id="1" dur="indefinite" restart="never" nodeType="tmRoot"/>
-      </p:par>
-    </p:tnLst>
-  </p:timing>
 </p:sldLayout>
 </file>
 
@@ -450,7 +394,7 @@
           <a:p>
             <a:fld id="{5001C876-01F7-4317-94B9-1AE222133113}" type="datetimeFigureOut">
               <a:rPr lang="es-ES" smtClean="0"/>
-              <a:t>28/03/2016</a:t>
+              <a:t>04/04/2016</a:t>
             </a:fld>
             <a:endParaRPr lang="es-ES"/>
           </a:p>
@@ -524,13 +468,6 @@
   <p:clrMapOvr>
     <a:masterClrMapping/>
   </p:clrMapOvr>
-  <p:timing>
-    <p:tnLst>
-      <p:par>
-        <p:cTn id="1" dur="indefinite" restart="never" nodeType="tmRoot"/>
-      </p:par>
-    </p:tnLst>
-  </p:timing>
 </p:sldLayout>
 </file>
 
@@ -561,13 +498,6 @@
   <p:clrMapOvr>
     <a:masterClrMapping/>
   </p:clrMapOvr>
-  <p:timing>
-    <p:tnLst>
-      <p:par>
-        <p:cTn id="1" dur="indefinite" restart="never" nodeType="tmRoot"/>
-      </p:par>
-    </p:tnLst>
-  </p:timing>
 </p:sldLayout>
 </file>
 
@@ -598,13 +528,6 @@
   <p:clrMapOvr>
     <a:masterClrMapping/>
   </p:clrMapOvr>
-  <p:timing>
-    <p:tnLst>
-      <p:par>
-        <p:cTn id="1" dur="indefinite" restart="never" nodeType="tmRoot"/>
-      </p:par>
-    </p:tnLst>
-  </p:timing>
 </p:sldLayout>
 </file>
 
@@ -654,16 +577,12 @@
           <a:p>
             <a:pPr algn="ctr"/>
             <a:r>
-              <a:rPr lang="es-ES" sz="1200" dirty="0" smtClean="0">
+              <a:rPr lang="es-ES" sz="1200" dirty="0">
                 <a:latin typeface="Arial" panose="020B0604020202020204" pitchFamily="34" charset="0"/>
                 <a:cs typeface="Arial" panose="020B0604020202020204" pitchFamily="34" charset="0"/>
               </a:rPr>
               <a:t>© Editorial Planeta Colombiana S.A., 2016.</a:t>
             </a:r>
-            <a:endParaRPr lang="es-ES" sz="1200" dirty="0">
-              <a:latin typeface="Arial" panose="020B0604020202020204" pitchFamily="34" charset="0"/>
-              <a:cs typeface="Arial" panose="020B0604020202020204" pitchFamily="34" charset="0"/>
-            </a:endParaRPr>
           </a:p>
         </p:txBody>
       </p:sp>
@@ -718,13 +637,6 @@
     <p:sldLayoutId id="2147483670" r:id="rId10"/>
     <p:sldLayoutId id="2147483671" r:id="rId11"/>
   </p:sldLayoutIdLst>
-  <p:timing>
-    <p:tnLst>
-      <p:par>
-        <p:cTn id="1" dur="indefinite" restart="never" nodeType="tmRoot"/>
-      </p:par>
-    </p:tnLst>
-  </p:timing>
   <p:txStyles>
     <p:titleStyle>
       <a:lvl1pPr algn="l" defTabSz="914400" rtl="0" eaLnBrk="1" latinLnBrk="0" hangingPunct="1">
@@ -1068,16 +980,12 @@
           <a:p>
             <a:pPr algn="ctr"/>
             <a:r>
-              <a:rPr lang="es-ES" sz="1600" dirty="0" smtClean="0">
+              <a:rPr lang="es-ES" sz="1600" dirty="0">
                 <a:latin typeface="Arial" panose="020B0604020202020204" pitchFamily="34" charset="0"/>
                 <a:cs typeface="Arial" panose="020B0604020202020204" pitchFamily="34" charset="0"/>
               </a:rPr>
               <a:t>Probabilidad y estadística</a:t>
             </a:r>
-            <a:endParaRPr lang="es-ES" sz="1600" dirty="0">
-              <a:latin typeface="Arial" panose="020B0604020202020204" pitchFamily="34" charset="0"/>
-              <a:cs typeface="Arial" panose="020B0604020202020204" pitchFamily="34" charset="0"/>
-            </a:endParaRPr>
           </a:p>
         </p:txBody>
       </p:sp>
@@ -1131,16 +1039,12 @@
           <a:p>
             <a:pPr algn="ctr"/>
             <a:r>
-              <a:rPr lang="es-ES" sz="1200" b="1" dirty="0" smtClean="0">
+              <a:rPr lang="es-ES" sz="1200" b="1" dirty="0">
                 <a:latin typeface="Arial" panose="020B0604020202020204" pitchFamily="34" charset="0"/>
                 <a:cs typeface="Arial" panose="020B0604020202020204" pitchFamily="34" charset="0"/>
               </a:rPr>
               <a:t>Estadística</a:t>
             </a:r>
-            <a:endParaRPr lang="es-ES" sz="1200" b="1" dirty="0">
-              <a:latin typeface="Arial" panose="020B0604020202020204" pitchFamily="34" charset="0"/>
-              <a:cs typeface="Arial" panose="020B0604020202020204" pitchFamily="34" charset="0"/>
-            </a:endParaRPr>
           </a:p>
         </p:txBody>
       </p:sp>
@@ -1193,8 +1097,8 @@
         </p:nvCxnSpPr>
         <p:spPr>
           <a:xfrm rot="5400000">
-            <a:off x="2466126" y="1600211"/>
-            <a:ext cx="369447" cy="2331"/>
+            <a:off x="2567529" y="1498808"/>
+            <a:ext cx="166640" cy="2331"/>
           </a:xfrm>
           <a:prstGeom prst="bentConnector3">
             <a:avLst>
@@ -1230,8 +1134,8 @@
         </p:nvSpPr>
         <p:spPr>
           <a:xfrm>
-            <a:off x="1936739" y="1786100"/>
-            <a:ext cx="1425887" cy="443052"/>
+            <a:off x="1936739" y="1583293"/>
+            <a:ext cx="1425887" cy="541846"/>
           </a:xfrm>
           <a:prstGeom prst="rect">
             <a:avLst/>
@@ -1267,7 +1171,7 @@
           <a:p>
             <a:pPr algn="ctr"/>
             <a:r>
-              <a:rPr lang="es-ES" sz="1050" dirty="0" smtClean="0">
+              <a:rPr lang="es-ES" sz="1050" dirty="0">
                 <a:solidFill>
                   <a:schemeClr val="bg1"/>
                 </a:solidFill>
@@ -1276,13 +1180,6 @@
               </a:rPr>
               <a:t>recolecta, organiza, clasifica y analiza</a:t>
             </a:r>
-            <a:endParaRPr lang="es-ES" sz="1050" dirty="0">
-              <a:solidFill>
-                <a:schemeClr val="bg1"/>
-              </a:solidFill>
-              <a:latin typeface="Arial" panose="020B0604020202020204" pitchFamily="34" charset="0"/>
-              <a:cs typeface="Arial" panose="020B0604020202020204" pitchFamily="34" charset="0"/>
-            </a:endParaRPr>
           </a:p>
         </p:txBody>
       </p:sp>
@@ -1294,7 +1191,7 @@
         </p:nvSpPr>
         <p:spPr>
           <a:xfrm>
-            <a:off x="2089641" y="2421077"/>
+            <a:off x="2089641" y="2553934"/>
             <a:ext cx="1122431" cy="343441"/>
           </a:xfrm>
           <a:prstGeom prst="rect">
@@ -1331,7 +1228,7 @@
           <a:p>
             <a:pPr algn="ctr"/>
             <a:r>
-              <a:rPr lang="es-ES" sz="900" dirty="0" smtClean="0">
+              <a:rPr lang="es-ES" sz="900" dirty="0">
                 <a:solidFill>
                   <a:schemeClr val="tx1"/>
                 </a:solidFill>
@@ -1340,13 +1237,6 @@
               </a:rPr>
               <a:t>datos</a:t>
             </a:r>
-            <a:endParaRPr lang="es-ES" sz="900" dirty="0">
-              <a:solidFill>
-                <a:schemeClr val="tx1"/>
-              </a:solidFill>
-              <a:latin typeface="Arial" panose="020B0604020202020204" pitchFamily="34" charset="0"/>
-              <a:cs typeface="Arial" panose="020B0604020202020204" pitchFamily="34" charset="0"/>
-            </a:endParaRPr>
           </a:p>
         </p:txBody>
       </p:sp>
@@ -1358,7 +1248,7 @@
         </p:nvSpPr>
         <p:spPr>
           <a:xfrm>
-            <a:off x="817812" y="3457159"/>
+            <a:off x="993072" y="3590016"/>
             <a:ext cx="1122431" cy="353519"/>
           </a:xfrm>
           <a:prstGeom prst="rect">
@@ -1393,7 +1283,7 @@
           <a:p>
             <a:pPr algn="ctr"/>
             <a:r>
-              <a:rPr lang="es-ES" sz="900" dirty="0" smtClean="0">
+              <a:rPr lang="es-ES" sz="900" dirty="0">
                 <a:solidFill>
                   <a:schemeClr val="tx1"/>
                 </a:solidFill>
@@ -1402,13 +1292,6 @@
               </a:rPr>
               <a:t>poblaciones o muestras</a:t>
             </a:r>
-            <a:endParaRPr lang="es-ES" sz="900" dirty="0">
-              <a:solidFill>
-                <a:schemeClr val="tx1"/>
-              </a:solidFill>
-              <a:latin typeface="Arial" panose="020B0604020202020204" pitchFamily="34" charset="0"/>
-              <a:cs typeface="Arial" panose="020B0604020202020204" pitchFamily="34" charset="0"/>
-            </a:endParaRPr>
           </a:p>
         </p:txBody>
       </p:sp>
@@ -1420,8 +1303,8 @@
         </p:nvSpPr>
         <p:spPr>
           <a:xfrm>
-            <a:off x="819564" y="4327568"/>
-            <a:ext cx="1118927" cy="353519"/>
+            <a:off x="994824" y="4460425"/>
+            <a:ext cx="1118927" cy="510415"/>
           </a:xfrm>
           <a:prstGeom prst="rect">
             <a:avLst/>
@@ -1455,7 +1338,7 @@
           <a:p>
             <a:pPr algn="ctr"/>
             <a:r>
-              <a:rPr lang="es-ES" sz="900" dirty="0" smtClean="0">
+              <a:rPr lang="es-ES" sz="900" dirty="0">
                 <a:solidFill>
                   <a:schemeClr val="tx1"/>
                 </a:solidFill>
@@ -1464,13 +1347,6 @@
               </a:rPr>
               <a:t>variables</a:t>
             </a:r>
-            <a:endParaRPr lang="es-ES" sz="900" dirty="0">
-              <a:solidFill>
-                <a:schemeClr val="tx1"/>
-              </a:solidFill>
-              <a:latin typeface="Arial" panose="020B0604020202020204" pitchFamily="34" charset="0"/>
-              <a:cs typeface="Arial" panose="020B0604020202020204" pitchFamily="34" charset="0"/>
-            </a:endParaRPr>
           </a:p>
         </p:txBody>
       </p:sp>
@@ -1482,7 +1358,7 @@
         </p:nvSpPr>
         <p:spPr>
           <a:xfrm>
-            <a:off x="819565" y="3073676"/>
+            <a:off x="994825" y="3206533"/>
             <a:ext cx="1117174" cy="230832"/>
           </a:xfrm>
           <a:prstGeom prst="rect">
@@ -1498,16 +1374,12 @@
           <a:p>
             <a:pPr algn="ctr"/>
             <a:r>
-              <a:rPr lang="es-ES" sz="900" dirty="0" smtClean="0">
+              <a:rPr lang="es-ES" sz="900" dirty="0">
                 <a:latin typeface="Arial" panose="020B0604020202020204" pitchFamily="34" charset="0"/>
                 <a:cs typeface="Arial" panose="020B0604020202020204" pitchFamily="34" charset="0"/>
               </a:rPr>
               <a:t>de</a:t>
             </a:r>
-            <a:endParaRPr lang="es-ES" sz="900" dirty="0">
-              <a:latin typeface="Arial" panose="020B0604020202020204" pitchFamily="34" charset="0"/>
-              <a:cs typeface="Arial" panose="020B0604020202020204" pitchFamily="34" charset="0"/>
-            </a:endParaRPr>
           </a:p>
         </p:txBody>
       </p:sp>
@@ -1522,8 +1394,8 @@
         </p:nvCxnSpPr>
         <p:spPr>
           <a:xfrm rot="16200000" flipH="1">
-            <a:off x="2554308" y="2324527"/>
-            <a:ext cx="191925" cy="1174"/>
+            <a:off x="2435873" y="2338949"/>
+            <a:ext cx="428795" cy="1174"/>
           </a:xfrm>
           <a:prstGeom prst="bentConnector3">
             <a:avLst>
@@ -1562,8 +1434,8 @@
         </p:nvCxnSpPr>
         <p:spPr>
           <a:xfrm rot="5400000">
-            <a:off x="1859926" y="2282745"/>
-            <a:ext cx="309158" cy="1272705"/>
+            <a:off x="1947556" y="2503232"/>
+            <a:ext cx="309158" cy="1097445"/>
           </a:xfrm>
           <a:prstGeom prst="bentConnector3">
             <a:avLst>
@@ -1602,7 +1474,7 @@
         </p:nvCxnSpPr>
         <p:spPr>
           <a:xfrm rot="16200000" flipH="1">
-            <a:off x="1302265" y="3380395"/>
+            <a:off x="1477525" y="3513252"/>
             <a:ext cx="152651" cy="876"/>
           </a:xfrm>
           <a:prstGeom prst="bentConnector3">
@@ -1639,7 +1511,7 @@
         </p:nvSpPr>
         <p:spPr>
           <a:xfrm>
-            <a:off x="819564" y="3977317"/>
+            <a:off x="994824" y="4110174"/>
             <a:ext cx="1117174" cy="230832"/>
           </a:xfrm>
           <a:prstGeom prst="rect">
@@ -1655,16 +1527,12 @@
           <a:p>
             <a:pPr algn="ctr"/>
             <a:r>
-              <a:rPr lang="es-ES" sz="900" dirty="0" smtClean="0">
+              <a:rPr lang="es-ES" sz="900" dirty="0">
                 <a:latin typeface="Arial" panose="020B0604020202020204" pitchFamily="34" charset="0"/>
                 <a:cs typeface="Arial" panose="020B0604020202020204" pitchFamily="34" charset="0"/>
               </a:rPr>
               <a:t>a través de</a:t>
             </a:r>
-            <a:endParaRPr lang="es-ES" sz="900" dirty="0">
-              <a:latin typeface="Arial" panose="020B0604020202020204" pitchFamily="34" charset="0"/>
-              <a:cs typeface="Arial" panose="020B0604020202020204" pitchFamily="34" charset="0"/>
-            </a:endParaRPr>
           </a:p>
         </p:txBody>
       </p:sp>
@@ -1679,7 +1547,7 @@
         </p:nvCxnSpPr>
         <p:spPr>
           <a:xfrm rot="5400000">
-            <a:off x="1295271" y="3893559"/>
+            <a:off x="1470531" y="4026416"/>
             <a:ext cx="166639" cy="877"/>
           </a:xfrm>
           <a:prstGeom prst="bentConnector3">
@@ -1719,7 +1587,7 @@
         </p:nvCxnSpPr>
         <p:spPr>
           <a:xfrm rot="16200000" flipV="1">
-            <a:off x="1318881" y="4267420"/>
+            <a:off x="1494141" y="4400277"/>
             <a:ext cx="119419" cy="877"/>
           </a:xfrm>
           <a:prstGeom prst="bentConnector3">
@@ -1754,7 +1622,7 @@
         </p:nvSpPr>
         <p:spPr>
           <a:xfrm>
-            <a:off x="821796" y="5197636"/>
+            <a:off x="1588689" y="5404530"/>
             <a:ext cx="1118927" cy="353519"/>
           </a:xfrm>
           <a:prstGeom prst="rect">
@@ -1789,7 +1657,7 @@
           <a:p>
             <a:pPr algn="ctr"/>
             <a:r>
-              <a:rPr lang="es-ES" sz="900" dirty="0" smtClean="0">
+              <a:rPr lang="es-ES" sz="900" dirty="0">
                 <a:solidFill>
                   <a:schemeClr val="tx1"/>
                 </a:solidFill>
@@ -1798,13 +1666,6 @@
               </a:rPr>
               <a:t>cualitativas</a:t>
             </a:r>
-            <a:endParaRPr lang="es-ES" sz="900" dirty="0">
-              <a:solidFill>
-                <a:schemeClr val="tx1"/>
-              </a:solidFill>
-              <a:latin typeface="Arial" panose="020B0604020202020204" pitchFamily="34" charset="0"/>
-              <a:cs typeface="Arial" panose="020B0604020202020204" pitchFamily="34" charset="0"/>
-            </a:endParaRPr>
           </a:p>
         </p:txBody>
       </p:sp>
@@ -1812,19 +1673,19 @@
         <p:nvCxnSpPr>
           <p:cNvPr id="245" name="Conector angular 244"/>
           <p:cNvCxnSpPr>
-            <a:stCxn id="211" idx="1"/>
-            <a:endCxn id="74" idx="1"/>
+            <a:stCxn id="211" idx="0"/>
+            <a:endCxn id="74" idx="2"/>
           </p:cNvCxnSpPr>
           <p:nvPr/>
         </p:nvCxnSpPr>
         <p:spPr>
-          <a:xfrm rot="10800000">
-            <a:off x="819564" y="4504328"/>
-            <a:ext cx="2232" cy="870068"/>
+          <a:xfrm rot="16200000" flipV="1">
+            <a:off x="1634376" y="4890752"/>
+            <a:ext cx="433690" cy="593865"/>
           </a:xfrm>
           <a:prstGeom prst="bentConnector3">
             <a:avLst>
-              <a:gd name="adj1" fmla="val 3749418"/>
+              <a:gd name="adj1" fmla="val 50000"/>
             </a:avLst>
           </a:prstGeom>
           <a:ln w="12700">
@@ -1898,16 +1759,12 @@
           <a:p>
             <a:pPr algn="ctr"/>
             <a:r>
-              <a:rPr lang="es-ES" sz="1200" b="1" dirty="0" smtClean="0">
+              <a:rPr lang="es-ES" sz="1200" b="1" dirty="0">
                 <a:latin typeface="Arial" panose="020B0604020202020204" pitchFamily="34" charset="0"/>
                 <a:cs typeface="Arial" panose="020B0604020202020204" pitchFamily="34" charset="0"/>
               </a:rPr>
               <a:t>Probabilidad</a:t>
             </a:r>
-            <a:endParaRPr lang="es-ES" sz="1200" b="1" dirty="0">
-              <a:latin typeface="Arial" panose="020B0604020202020204" pitchFamily="34" charset="0"/>
-              <a:cs typeface="Arial" panose="020B0604020202020204" pitchFamily="34" charset="0"/>
-            </a:endParaRPr>
           </a:p>
         </p:txBody>
       </p:sp>
@@ -1960,8 +1817,8 @@
         </p:nvCxnSpPr>
         <p:spPr>
           <a:xfrm rot="5400000">
-            <a:off x="7144246" y="1596137"/>
-            <a:ext cx="375116" cy="806"/>
+            <a:off x="7244649" y="1495734"/>
+            <a:ext cx="174311" cy="806"/>
           </a:xfrm>
           <a:prstGeom prst="bentConnector3">
             <a:avLst>
@@ -1997,8 +1854,8 @@
         </p:nvSpPr>
         <p:spPr>
           <a:xfrm>
-            <a:off x="6616487" y="1784098"/>
-            <a:ext cx="1429827" cy="465405"/>
+            <a:off x="6616487" y="1583293"/>
+            <a:ext cx="1429827" cy="541844"/>
           </a:xfrm>
           <a:prstGeom prst="rect">
             <a:avLst/>
@@ -2041,25 +1898,8 @@
                 <a:latin typeface="Arial" panose="020B0604020202020204" pitchFamily="34" charset="0"/>
                 <a:cs typeface="Arial" panose="020B0604020202020204" pitchFamily="34" charset="0"/>
               </a:rPr>
-              <a:t>d</a:t>
+              <a:t>determinar la posibilidad numérica de un suceso</a:t>
             </a:r>
-            <a:r>
-              <a:rPr lang="es-ES" sz="1050" dirty="0" smtClean="0">
-                <a:solidFill>
-                  <a:schemeClr val="bg1"/>
-                </a:solidFill>
-                <a:latin typeface="Arial" panose="020B0604020202020204" pitchFamily="34" charset="0"/>
-                <a:cs typeface="Arial" panose="020B0604020202020204" pitchFamily="34" charset="0"/>
-              </a:rPr>
-              <a:t>eterminar la posibilidad numérica de un suceso</a:t>
-            </a:r>
-            <a:endParaRPr lang="es-ES" sz="1050" dirty="0">
-              <a:solidFill>
-                <a:schemeClr val="bg1"/>
-              </a:solidFill>
-              <a:latin typeface="Arial" panose="020B0604020202020204" pitchFamily="34" charset="0"/>
-              <a:cs typeface="Arial" panose="020B0604020202020204" pitchFamily="34" charset="0"/>
-            </a:endParaRPr>
           </a:p>
         </p:txBody>
       </p:sp>
@@ -2071,8 +1911,8 @@
         </p:nvSpPr>
         <p:spPr>
           <a:xfrm>
-            <a:off x="6775091" y="2368922"/>
-            <a:ext cx="1117174" cy="230836"/>
+            <a:off x="7135992" y="2238113"/>
+            <a:ext cx="391562" cy="190774"/>
           </a:xfrm>
           <a:prstGeom prst="rect">
             <a:avLst/>
@@ -2087,16 +1927,12 @@
           <a:p>
             <a:pPr algn="ctr"/>
             <a:r>
-              <a:rPr lang="es-ES" sz="900" dirty="0" smtClean="0">
+              <a:rPr lang="es-ES" sz="900" dirty="0">
                 <a:latin typeface="Arial" panose="020B0604020202020204" pitchFamily="34" charset="0"/>
                 <a:cs typeface="Arial" panose="020B0604020202020204" pitchFamily="34" charset="0"/>
               </a:rPr>
               <a:t>en</a:t>
             </a:r>
-            <a:endParaRPr lang="es-ES" sz="900" dirty="0">
-              <a:latin typeface="Arial" panose="020B0604020202020204" pitchFamily="34" charset="0"/>
-              <a:cs typeface="Arial" panose="020B0604020202020204" pitchFamily="34" charset="0"/>
-            </a:endParaRPr>
           </a:p>
         </p:txBody>
       </p:sp>
@@ -2111,8 +1947,8 @@
         </p:nvCxnSpPr>
         <p:spPr>
           <a:xfrm rot="16200000" flipH="1">
-            <a:off x="7272830" y="2308073"/>
-            <a:ext cx="119419" cy="2277"/>
+            <a:off x="7275099" y="2181439"/>
+            <a:ext cx="112976" cy="372"/>
           </a:xfrm>
           <a:prstGeom prst="bentConnector3">
             <a:avLst>
@@ -2148,7 +1984,7 @@
         </p:nvSpPr>
         <p:spPr>
           <a:xfrm>
-            <a:off x="6769834" y="2670939"/>
+            <a:off x="6769834" y="2553933"/>
             <a:ext cx="1122431" cy="343441"/>
           </a:xfrm>
           <a:prstGeom prst="rect">
@@ -2185,7 +2021,7 @@
           <a:p>
             <a:pPr algn="ctr"/>
             <a:r>
-              <a:rPr lang="es-ES" sz="900" dirty="0" smtClean="0">
+              <a:rPr lang="es-ES" sz="900" dirty="0">
                 <a:solidFill>
                   <a:schemeClr val="tx1"/>
                 </a:solidFill>
@@ -2194,13 +2030,6 @@
               </a:rPr>
               <a:t>un espacio muestral</a:t>
             </a:r>
-            <a:endParaRPr lang="es-ES" sz="900" dirty="0">
-              <a:solidFill>
-                <a:schemeClr val="tx1"/>
-              </a:solidFill>
-              <a:latin typeface="Arial" panose="020B0604020202020204" pitchFamily="34" charset="0"/>
-              <a:cs typeface="Arial" panose="020B0604020202020204" pitchFamily="34" charset="0"/>
-            </a:endParaRPr>
           </a:p>
         </p:txBody>
       </p:sp>
@@ -2212,7 +2041,7 @@
         </p:nvSpPr>
         <p:spPr>
           <a:xfrm>
-            <a:off x="6087801" y="3603936"/>
+            <a:off x="6093897" y="3596616"/>
             <a:ext cx="1272975" cy="353519"/>
           </a:xfrm>
           <a:prstGeom prst="rect">
@@ -2247,7 +2076,7 @@
           <a:p>
             <a:pPr algn="ctr"/>
             <a:r>
-              <a:rPr lang="es-ES" sz="900" dirty="0" smtClean="0">
+              <a:rPr lang="es-ES" sz="900" dirty="0">
                 <a:solidFill>
                   <a:schemeClr val="tx1"/>
                 </a:solidFill>
@@ -2256,13 +2085,6 @@
               </a:rPr>
               <a:t>probabilidad de un suceso simple</a:t>
             </a:r>
-            <a:endParaRPr lang="es-ES" sz="900" dirty="0">
-              <a:solidFill>
-                <a:schemeClr val="tx1"/>
-              </a:solidFill>
-              <a:latin typeface="Arial" panose="020B0604020202020204" pitchFamily="34" charset="0"/>
-              <a:cs typeface="Arial" panose="020B0604020202020204" pitchFamily="34" charset="0"/>
-            </a:endParaRPr>
           </a:p>
         </p:txBody>
       </p:sp>
@@ -2274,7 +2096,7 @@
         </p:nvSpPr>
         <p:spPr>
           <a:xfrm>
-            <a:off x="6169207" y="4484466"/>
+            <a:off x="6169207" y="4477146"/>
             <a:ext cx="1118927" cy="353519"/>
           </a:xfrm>
           <a:prstGeom prst="rect">
@@ -2309,22 +2131,15 @@
           <a:p>
             <a:pPr algn="ctr"/>
             <a:r>
-              <a:rPr lang="es-ES" sz="900" dirty="0" smtClean="0">
+              <a:rPr lang="es-ES" sz="900" dirty="0">
                 <a:solidFill>
                   <a:schemeClr val="tx1"/>
                 </a:solidFill>
                 <a:latin typeface="Arial" panose="020B0604020202020204" pitchFamily="34" charset="0"/>
                 <a:cs typeface="Arial" panose="020B0604020202020204" pitchFamily="34" charset="0"/>
               </a:rPr>
-              <a:t>Ley de Laplace</a:t>
+              <a:t>ley de Laplace</a:t>
             </a:r>
-            <a:endParaRPr lang="es-ES" sz="900" dirty="0">
-              <a:solidFill>
-                <a:schemeClr val="tx1"/>
-              </a:solidFill>
-              <a:latin typeface="Arial" panose="020B0604020202020204" pitchFamily="34" charset="0"/>
-              <a:cs typeface="Arial" panose="020B0604020202020204" pitchFamily="34" charset="0"/>
-            </a:endParaRPr>
           </a:p>
         </p:txBody>
       </p:sp>
@@ -2336,7 +2151,7 @@
         </p:nvSpPr>
         <p:spPr>
           <a:xfrm>
-            <a:off x="6169208" y="3230574"/>
+            <a:off x="6169208" y="3223254"/>
             <a:ext cx="1117174" cy="230832"/>
           </a:xfrm>
           <a:prstGeom prst="rect">
@@ -2352,16 +2167,12 @@
           <a:p>
             <a:pPr algn="ctr"/>
             <a:r>
-              <a:rPr lang="es-ES" sz="900" dirty="0" smtClean="0">
+              <a:rPr lang="es-ES" sz="900" dirty="0">
                 <a:latin typeface="Arial" panose="020B0604020202020204" pitchFamily="34" charset="0"/>
                 <a:cs typeface="Arial" panose="020B0604020202020204" pitchFamily="34" charset="0"/>
               </a:rPr>
               <a:t>determina</a:t>
             </a:r>
-            <a:endParaRPr lang="es-ES" sz="900" dirty="0">
-              <a:latin typeface="Arial" panose="020B0604020202020204" pitchFamily="34" charset="0"/>
-              <a:cs typeface="Arial" panose="020B0604020202020204" pitchFamily="34" charset="0"/>
-            </a:endParaRPr>
           </a:p>
         </p:txBody>
       </p:sp>
@@ -2369,14 +2180,15 @@
         <p:nvCxnSpPr>
           <p:cNvPr id="347" name="Conector angular 346"/>
           <p:cNvCxnSpPr>
+            <a:stCxn id="341" idx="2"/>
             <a:endCxn id="343" idx="0"/>
           </p:cNvCxnSpPr>
           <p:nvPr/>
         </p:nvCxnSpPr>
         <p:spPr>
-          <a:xfrm rot="16200000" flipH="1">
-            <a:off x="7259097" y="2598985"/>
-            <a:ext cx="143029" cy="877"/>
+          <a:xfrm rot="5400000">
+            <a:off x="7268889" y="2491049"/>
+            <a:ext cx="125046" cy="723"/>
           </a:xfrm>
           <a:prstGeom prst="bentConnector3">
             <a:avLst>
@@ -2415,8 +2227,8 @@
         </p:nvCxnSpPr>
         <p:spPr>
           <a:xfrm rot="5400000">
-            <a:off x="6921326" y="2820850"/>
-            <a:ext cx="216194" cy="603255"/>
+            <a:off x="6866483" y="2758687"/>
+            <a:ext cx="325880" cy="603255"/>
           </a:xfrm>
           <a:prstGeom prst="bentConnector3">
             <a:avLst>
@@ -2454,9 +2266,9 @@
           <p:nvPr/>
         </p:nvCxnSpPr>
         <p:spPr>
-          <a:xfrm rot="5400000">
-            <a:off x="6654777" y="3530918"/>
-            <a:ext cx="142530" cy="3506"/>
+          <a:xfrm rot="16200000" flipH="1">
+            <a:off x="6657825" y="3524056"/>
+            <a:ext cx="142530" cy="2590"/>
           </a:xfrm>
           <a:prstGeom prst="bentConnector3">
             <a:avLst>
@@ -2492,7 +2304,7 @@
         </p:nvSpPr>
         <p:spPr>
           <a:xfrm>
-            <a:off x="6169207" y="4134215"/>
+            <a:off x="6169207" y="4126895"/>
             <a:ext cx="1117174" cy="230832"/>
           </a:xfrm>
           <a:prstGeom prst="rect">
@@ -2508,16 +2320,12 @@
           <a:p>
             <a:pPr algn="ctr"/>
             <a:r>
-              <a:rPr lang="es-ES" sz="900" dirty="0" smtClean="0">
+              <a:rPr lang="es-ES" sz="900" dirty="0">
                 <a:latin typeface="Arial" panose="020B0604020202020204" pitchFamily="34" charset="0"/>
                 <a:cs typeface="Arial" panose="020B0604020202020204" pitchFamily="34" charset="0"/>
               </a:rPr>
               <a:t>con</a:t>
             </a:r>
-            <a:endParaRPr lang="es-ES" sz="900" dirty="0">
-              <a:latin typeface="Arial" panose="020B0604020202020204" pitchFamily="34" charset="0"/>
-              <a:cs typeface="Arial" panose="020B0604020202020204" pitchFamily="34" charset="0"/>
-            </a:endParaRPr>
           </a:p>
         </p:txBody>
       </p:sp>
@@ -2531,9 +2339,9 @@
           <p:nvPr/>
         </p:nvCxnSpPr>
         <p:spPr>
-          <a:xfrm rot="16200000" flipH="1">
-            <a:off x="6637661" y="4044082"/>
-            <a:ext cx="176760" cy="3505"/>
+          <a:xfrm rot="5400000">
+            <a:off x="6640710" y="4037220"/>
+            <a:ext cx="176760" cy="2591"/>
           </a:xfrm>
           <a:prstGeom prst="bentConnector3">
             <a:avLst>
@@ -2572,7 +2380,7 @@
         </p:nvCxnSpPr>
         <p:spPr>
           <a:xfrm rot="16200000" flipV="1">
-            <a:off x="6668524" y="4424318"/>
+            <a:off x="6668524" y="4416998"/>
             <a:ext cx="119419" cy="877"/>
           </a:xfrm>
           <a:prstGeom prst="bentConnector3">
@@ -2607,7 +2415,7 @@
         </p:nvSpPr>
         <p:spPr>
           <a:xfrm>
-            <a:off x="818687" y="5727915"/>
+            <a:off x="399131" y="5404529"/>
             <a:ext cx="1118927" cy="353519"/>
           </a:xfrm>
           <a:prstGeom prst="rect">
@@ -2642,7 +2450,7 @@
           <a:p>
             <a:pPr algn="ctr"/>
             <a:r>
-              <a:rPr lang="es-ES" sz="900" dirty="0" smtClean="0">
+              <a:rPr lang="es-ES" sz="900" dirty="0">
                 <a:solidFill>
                   <a:schemeClr val="tx1"/>
                 </a:solidFill>
@@ -2651,30 +2459,26 @@
               </a:rPr>
               <a:t>cuantitativas</a:t>
             </a:r>
-            <a:endParaRPr lang="es-ES" sz="900" dirty="0">
-              <a:solidFill>
-                <a:schemeClr val="tx1"/>
-              </a:solidFill>
-              <a:latin typeface="Arial" panose="020B0604020202020204" pitchFamily="34" charset="0"/>
-              <a:cs typeface="Arial" panose="020B0604020202020204" pitchFamily="34" charset="0"/>
-            </a:endParaRPr>
           </a:p>
         </p:txBody>
       </p:sp>
       <p:cxnSp>
         <p:nvCxnSpPr>
           <p:cNvPr id="146" name="Conector angular 145"/>
-          <p:cNvCxnSpPr/>
+          <p:cNvCxnSpPr>
+            <a:stCxn id="145" idx="0"/>
+            <a:endCxn id="74" idx="2"/>
+          </p:cNvCxnSpPr>
           <p:nvPr/>
         </p:nvCxnSpPr>
         <p:spPr>
-          <a:xfrm rot="10800000" flipH="1">
-            <a:off x="809876" y="4523688"/>
-            <a:ext cx="877" cy="1400347"/>
+          <a:xfrm rot="5400000" flipH="1" flipV="1">
+            <a:off x="1039597" y="4889839"/>
+            <a:ext cx="433689" cy="595693"/>
           </a:xfrm>
           <a:prstGeom prst="bentConnector3">
             <a:avLst>
-              <a:gd name="adj1" fmla="val -8089510"/>
+              <a:gd name="adj1" fmla="val 50000"/>
             </a:avLst>
           </a:prstGeom>
           <a:ln w="12700">
@@ -2706,7 +2510,7 @@
         </p:nvSpPr>
         <p:spPr>
           <a:xfrm>
-            <a:off x="3332707" y="3074046"/>
+            <a:off x="3535911" y="3206903"/>
             <a:ext cx="1117174" cy="230832"/>
           </a:xfrm>
           <a:prstGeom prst="rect">
@@ -2722,16 +2526,12 @@
           <a:p>
             <a:pPr algn="ctr"/>
             <a:r>
-              <a:rPr lang="es-ES" sz="900" dirty="0" smtClean="0">
+              <a:rPr lang="es-ES" sz="900" dirty="0">
                 <a:latin typeface="Arial" panose="020B0604020202020204" pitchFamily="34" charset="0"/>
                 <a:cs typeface="Arial" panose="020B0604020202020204" pitchFamily="34" charset="0"/>
               </a:rPr>
               <a:t>representados por</a:t>
             </a:r>
-            <a:endParaRPr lang="es-ES" sz="900" dirty="0">
-              <a:latin typeface="Arial" panose="020B0604020202020204" pitchFamily="34" charset="0"/>
-              <a:cs typeface="Arial" panose="020B0604020202020204" pitchFamily="34" charset="0"/>
-            </a:endParaRPr>
           </a:p>
         </p:txBody>
       </p:sp>
@@ -2746,8 +2546,8 @@
         </p:nvCxnSpPr>
         <p:spPr>
           <a:xfrm rot="16200000" flipH="1">
-            <a:off x="3116311" y="2299063"/>
-            <a:ext cx="309528" cy="1240437"/>
+            <a:off x="3217913" y="2330318"/>
+            <a:ext cx="309528" cy="1443641"/>
           </a:xfrm>
           <a:prstGeom prst="bentConnector3">
             <a:avLst>
@@ -2786,8 +2586,8 @@
         </p:nvCxnSpPr>
         <p:spPr>
           <a:xfrm rot="5400000">
-            <a:off x="3346987" y="2919451"/>
-            <a:ext cx="158881" cy="929734"/>
+            <a:off x="3710403" y="3212520"/>
+            <a:ext cx="158881" cy="609310"/>
           </a:xfrm>
           <a:prstGeom prst="bentConnector3">
             <a:avLst>
@@ -2823,7 +2623,7 @@
         </p:nvSpPr>
         <p:spPr>
           <a:xfrm>
-            <a:off x="2400344" y="3463759"/>
+            <a:off x="2923972" y="3596616"/>
             <a:ext cx="1122431" cy="353519"/>
           </a:xfrm>
           <a:prstGeom prst="rect">
@@ -2858,7 +2658,7 @@
           <a:p>
             <a:pPr algn="ctr"/>
             <a:r>
-              <a:rPr lang="es-ES" sz="900" dirty="0" smtClean="0">
+              <a:rPr lang="es-ES" sz="900" dirty="0">
                 <a:solidFill>
                   <a:schemeClr val="tx1"/>
                 </a:solidFill>
@@ -2867,13 +2667,6 @@
               </a:rPr>
               <a:t>tablas de frecuencia</a:t>
             </a:r>
-            <a:endParaRPr lang="es-ES" sz="900" dirty="0">
-              <a:solidFill>
-                <a:schemeClr val="tx1"/>
-              </a:solidFill>
-              <a:latin typeface="Arial" panose="020B0604020202020204" pitchFamily="34" charset="0"/>
-              <a:cs typeface="Arial" panose="020B0604020202020204" pitchFamily="34" charset="0"/>
-            </a:endParaRPr>
           </a:p>
         </p:txBody>
       </p:sp>
@@ -2888,8 +2681,8 @@
         </p:nvCxnSpPr>
         <p:spPr>
           <a:xfrm rot="16200000" flipH="1">
-            <a:off x="4313227" y="2882944"/>
-            <a:ext cx="158881" cy="1002747"/>
+            <a:off x="4332770" y="3199463"/>
+            <a:ext cx="158881" cy="635424"/>
           </a:xfrm>
           <a:prstGeom prst="bentConnector3">
             <a:avLst>
@@ -2925,7 +2718,7 @@
         </p:nvSpPr>
         <p:spPr>
           <a:xfrm>
-            <a:off x="4332825" y="3463759"/>
+            <a:off x="4168706" y="3596616"/>
             <a:ext cx="1122431" cy="353519"/>
           </a:xfrm>
           <a:prstGeom prst="rect">
@@ -2960,7 +2753,7 @@
           <a:p>
             <a:pPr algn="ctr"/>
             <a:r>
-              <a:rPr lang="es-ES" sz="900" dirty="0" smtClean="0">
+              <a:rPr lang="es-ES" sz="900" dirty="0">
                 <a:solidFill>
                   <a:schemeClr val="tx1"/>
                 </a:solidFill>
@@ -2969,13 +2762,6 @@
               </a:rPr>
               <a:t>gráficos estadísticos</a:t>
             </a:r>
-            <a:endParaRPr lang="es-ES" sz="900" dirty="0">
-              <a:solidFill>
-                <a:schemeClr val="tx1"/>
-              </a:solidFill>
-              <a:latin typeface="Arial" panose="020B0604020202020204" pitchFamily="34" charset="0"/>
-              <a:cs typeface="Arial" panose="020B0604020202020204" pitchFamily="34" charset="0"/>
-            </a:endParaRPr>
           </a:p>
         </p:txBody>
       </p:sp>
@@ -2987,7 +2773,7 @@
         </p:nvSpPr>
         <p:spPr>
           <a:xfrm>
-            <a:off x="2396008" y="4355906"/>
+            <a:off x="2927451" y="4458539"/>
             <a:ext cx="1118927" cy="512303"/>
           </a:xfrm>
           <a:prstGeom prst="rect">
@@ -3032,25 +2818,8 @@
                 <a:latin typeface="Arial" panose="020B0604020202020204" pitchFamily="34" charset="0"/>
                 <a:cs typeface="Arial" panose="020B0604020202020204" pitchFamily="34" charset="0"/>
               </a:rPr>
-              <a:t>a</a:t>
+              <a:t>absoluta</a:t>
             </a:r>
-            <a:r>
-              <a:rPr lang="es-ES" sz="900" dirty="0" smtClean="0">
-                <a:solidFill>
-                  <a:schemeClr val="tx1"/>
-                </a:solidFill>
-                <a:latin typeface="Arial" panose="020B0604020202020204" pitchFamily="34" charset="0"/>
-                <a:cs typeface="Arial" panose="020B0604020202020204" pitchFamily="34" charset="0"/>
-              </a:rPr>
-              <a:t>bsoluta</a:t>
-            </a:r>
-            <a:endParaRPr lang="es-ES" sz="900" dirty="0">
-              <a:solidFill>
-                <a:schemeClr val="tx1"/>
-              </a:solidFill>
-              <a:latin typeface="Arial" panose="020B0604020202020204" pitchFamily="34" charset="0"/>
-              <a:cs typeface="Arial" panose="020B0604020202020204" pitchFamily="34" charset="0"/>
-            </a:endParaRPr>
           </a:p>
           <a:p>
             <a:pPr marL="171450" indent="-171450">
@@ -3058,7 +2827,7 @@
               <a:buChar char="-"/>
             </a:pPr>
             <a:r>
-              <a:rPr lang="es-ES" sz="900" dirty="0" smtClean="0">
+              <a:rPr lang="es-ES" sz="900" dirty="0">
                 <a:solidFill>
                   <a:schemeClr val="tx1"/>
                 </a:solidFill>
@@ -3074,7 +2843,7 @@
               <a:buChar char="-"/>
             </a:pPr>
             <a:r>
-              <a:rPr lang="es-ES" sz="900" dirty="0" smtClean="0">
+              <a:rPr lang="es-ES" sz="900" dirty="0">
                 <a:solidFill>
                   <a:schemeClr val="tx1"/>
                 </a:solidFill>
@@ -3096,9 +2865,9 @@
           <p:nvPr/>
         </p:nvCxnSpPr>
         <p:spPr>
-          <a:xfrm rot="5400000">
-            <a:off x="2689202" y="4083548"/>
-            <a:ext cx="538628" cy="6088"/>
+          <a:xfrm rot="16200000" flipH="1">
+            <a:off x="3231849" y="4203473"/>
+            <a:ext cx="508404" cy="1727"/>
           </a:xfrm>
           <a:prstGeom prst="bentConnector3">
             <a:avLst>
@@ -3134,8 +2903,8 @@
         </p:nvSpPr>
         <p:spPr>
           <a:xfrm>
-            <a:off x="4383081" y="4399674"/>
-            <a:ext cx="1091198" cy="1233210"/>
+            <a:off x="4168706" y="4460424"/>
+            <a:ext cx="1122431" cy="1312987"/>
           </a:xfrm>
           <a:prstGeom prst="rect">
             <a:avLst/>
@@ -3168,31 +2937,31 @@
           <a:lstStyle/>
           <a:p>
             <a:r>
-              <a:rPr lang="es-ES" sz="900" dirty="0" smtClean="0">
+              <a:rPr lang="es-ES" sz="900" dirty="0">
                 <a:solidFill>
                   <a:schemeClr val="tx1"/>
                 </a:solidFill>
                 <a:latin typeface="Arial" panose="020B0604020202020204" pitchFamily="34" charset="0"/>
                 <a:cs typeface="Arial" panose="020B0604020202020204" pitchFamily="34" charset="0"/>
               </a:rPr>
-              <a:t>- Pictogramas</a:t>
+              <a:t>- pictogramas</a:t>
             </a:r>
           </a:p>
           <a:p>
             <a:r>
-              <a:rPr lang="es-ES" sz="900" dirty="0" smtClean="0">
+              <a:rPr lang="es-ES" sz="900" dirty="0">
                 <a:solidFill>
                   <a:schemeClr val="tx1"/>
                 </a:solidFill>
                 <a:latin typeface="Arial" panose="020B0604020202020204" pitchFamily="34" charset="0"/>
                 <a:cs typeface="Arial" panose="020B0604020202020204" pitchFamily="34" charset="0"/>
               </a:rPr>
-              <a:t>- Diagramas de barras</a:t>
+              <a:t>- diagramas de barras</a:t>
             </a:r>
           </a:p>
           <a:p>
             <a:r>
-              <a:rPr lang="es-ES" sz="900" dirty="0" smtClean="0">
+              <a:rPr lang="es-ES" sz="900" dirty="0">
                 <a:solidFill>
                   <a:schemeClr val="tx1"/>
                 </a:solidFill>
@@ -3204,22 +2973,15 @@
           </a:p>
           <a:p>
             <a:r>
-              <a:rPr lang="es-ES" sz="900" dirty="0" smtClean="0">
+              <a:rPr lang="es-ES" sz="900" dirty="0">
                 <a:solidFill>
                   <a:schemeClr val="tx1"/>
                 </a:solidFill>
                 <a:latin typeface="Arial" panose="020B0604020202020204" pitchFamily="34" charset="0"/>
                 <a:cs typeface="Arial" panose="020B0604020202020204" pitchFamily="34" charset="0"/>
               </a:rPr>
-              <a:t>- Diagrama circular</a:t>
+              <a:t>- diagrama circular</a:t>
             </a:r>
-            <a:endParaRPr lang="es-ES" sz="900" dirty="0">
-              <a:solidFill>
-                <a:schemeClr val="tx1"/>
-              </a:solidFill>
-              <a:latin typeface="Arial" panose="020B0604020202020204" pitchFamily="34" charset="0"/>
-              <a:cs typeface="Arial" panose="020B0604020202020204" pitchFamily="34" charset="0"/>
-            </a:endParaRPr>
           </a:p>
         </p:txBody>
       </p:sp>
@@ -3231,8 +2993,8 @@
         </p:nvSpPr>
         <p:spPr>
           <a:xfrm>
-            <a:off x="4368417" y="4057834"/>
-            <a:ext cx="1117174" cy="230832"/>
+            <a:off x="4416318" y="4057836"/>
+            <a:ext cx="630615" cy="230832"/>
           </a:xfrm>
           <a:prstGeom prst="rect">
             <a:avLst/>
@@ -3247,16 +3009,12 @@
           <a:p>
             <a:pPr algn="ctr"/>
             <a:r>
-              <a:rPr lang="es-ES" sz="900" dirty="0" smtClean="0">
+              <a:rPr lang="es-ES" sz="900" dirty="0">
                 <a:latin typeface="Arial" panose="020B0604020202020204" pitchFamily="34" charset="0"/>
                 <a:cs typeface="Arial" panose="020B0604020202020204" pitchFamily="34" charset="0"/>
               </a:rPr>
               <a:t>como</a:t>
             </a:r>
-            <a:endParaRPr lang="es-ES" sz="900" dirty="0">
-              <a:latin typeface="Arial" panose="020B0604020202020204" pitchFamily="34" charset="0"/>
-              <a:cs typeface="Arial" panose="020B0604020202020204" pitchFamily="34" charset="0"/>
-            </a:endParaRPr>
           </a:p>
         </p:txBody>
       </p:sp>
@@ -3264,14 +3022,15 @@
         <p:nvCxnSpPr>
           <p:cNvPr id="184" name="Conector angular 183"/>
           <p:cNvCxnSpPr>
+            <a:stCxn id="169" idx="2"/>
             <a:endCxn id="183" idx="0"/>
           </p:cNvCxnSpPr>
           <p:nvPr/>
         </p:nvCxnSpPr>
         <p:spPr>
-          <a:xfrm rot="5400000">
-            <a:off x="4844124" y="3974076"/>
-            <a:ext cx="166639" cy="877"/>
+          <a:xfrm rot="16200000" flipH="1">
+            <a:off x="4676924" y="4003133"/>
+            <a:ext cx="107701" cy="1704"/>
           </a:xfrm>
           <a:prstGeom prst="bentConnector3">
             <a:avLst>
@@ -3309,9 +3068,9 @@
           <p:nvPr/>
         </p:nvCxnSpPr>
         <p:spPr>
-          <a:xfrm rot="16200000" flipV="1">
-            <a:off x="4872338" y="4343332"/>
-            <a:ext cx="111008" cy="1676"/>
+          <a:xfrm rot="5400000" flipH="1" flipV="1">
+            <a:off x="4644896" y="4373694"/>
+            <a:ext cx="171756" cy="1704"/>
           </a:xfrm>
           <a:prstGeom prst="bentConnector3">
             <a:avLst/>
@@ -3345,7 +3104,7 @@
         </p:nvSpPr>
         <p:spPr>
           <a:xfrm>
-            <a:off x="2397117" y="5318979"/>
+            <a:off x="2928560" y="5421612"/>
             <a:ext cx="1118927" cy="353519"/>
           </a:xfrm>
           <a:prstGeom prst="rect">
@@ -3387,25 +3146,8 @@
                 <a:latin typeface="Arial" panose="020B0604020202020204" pitchFamily="34" charset="0"/>
                 <a:cs typeface="Arial" panose="020B0604020202020204" pitchFamily="34" charset="0"/>
               </a:rPr>
-              <a:t>m</a:t>
+              <a:t>medidas de tendencia central</a:t>
             </a:r>
-            <a:r>
-              <a:rPr lang="es-ES" sz="900" dirty="0" smtClean="0">
-                <a:solidFill>
-                  <a:schemeClr val="tx1"/>
-                </a:solidFill>
-                <a:latin typeface="Arial" panose="020B0604020202020204" pitchFamily="34" charset="0"/>
-                <a:cs typeface="Arial" panose="020B0604020202020204" pitchFamily="34" charset="0"/>
-              </a:rPr>
-              <a:t>edidas de tendencia central</a:t>
-            </a:r>
-            <a:endParaRPr lang="es-ES" sz="900" dirty="0">
-              <a:solidFill>
-                <a:schemeClr val="tx1"/>
-              </a:solidFill>
-              <a:latin typeface="Arial" panose="020B0604020202020204" pitchFamily="34" charset="0"/>
-              <a:cs typeface="Arial" panose="020B0604020202020204" pitchFamily="34" charset="0"/>
-            </a:endParaRPr>
           </a:p>
         </p:txBody>
       </p:sp>
@@ -3417,7 +3159,7 @@
         </p:nvSpPr>
         <p:spPr>
           <a:xfrm>
-            <a:off x="2401243" y="4974324"/>
+            <a:off x="2929951" y="5076957"/>
             <a:ext cx="1117174" cy="230832"/>
           </a:xfrm>
           <a:prstGeom prst="rect">
@@ -3433,16 +3175,12 @@
           <a:p>
             <a:pPr algn="ctr"/>
             <a:r>
-              <a:rPr lang="es-ES" sz="900" dirty="0" smtClean="0">
+              <a:rPr lang="es-ES" sz="900" dirty="0">
                 <a:latin typeface="Arial" panose="020B0604020202020204" pitchFamily="34" charset="0"/>
                 <a:cs typeface="Arial" panose="020B0604020202020204" pitchFamily="34" charset="0"/>
               </a:rPr>
               <a:t>permiten calcular</a:t>
             </a:r>
-            <a:endParaRPr lang="es-ES" sz="900" dirty="0">
-              <a:latin typeface="Arial" panose="020B0604020202020204" pitchFamily="34" charset="0"/>
-              <a:cs typeface="Arial" panose="020B0604020202020204" pitchFamily="34" charset="0"/>
-            </a:endParaRPr>
           </a:p>
         </p:txBody>
       </p:sp>
@@ -3457,8 +3195,8 @@
         </p:nvCxnSpPr>
         <p:spPr>
           <a:xfrm rot="16200000" flipH="1">
-            <a:off x="2904594" y="4919087"/>
-            <a:ext cx="106115" cy="4358"/>
+            <a:off x="3434669" y="5023087"/>
+            <a:ext cx="106115" cy="1623"/>
           </a:xfrm>
           <a:prstGeom prst="bentConnector3">
             <a:avLst>
@@ -3497,8 +3235,8 @@
         </p:nvCxnSpPr>
         <p:spPr>
           <a:xfrm rot="5400000" flipH="1" flipV="1">
-            <a:off x="2901294" y="5260444"/>
-            <a:ext cx="113823" cy="3249"/>
+            <a:off x="3431370" y="5364444"/>
+            <a:ext cx="113823" cy="514"/>
           </a:xfrm>
           <a:prstGeom prst="bentConnector3">
             <a:avLst/>
@@ -3532,7 +3270,7 @@
         </p:nvSpPr>
         <p:spPr>
           <a:xfrm>
-            <a:off x="7512418" y="3611416"/>
+            <a:off x="7457554" y="3604096"/>
             <a:ext cx="1272975" cy="353519"/>
           </a:xfrm>
           <a:prstGeom prst="rect">
@@ -3567,7 +3305,7 @@
           <a:p>
             <a:pPr algn="ctr"/>
             <a:r>
-              <a:rPr lang="es-ES" sz="900" dirty="0" smtClean="0">
+              <a:rPr lang="es-ES" sz="900" dirty="0">
                 <a:solidFill>
                   <a:schemeClr val="tx1"/>
                 </a:solidFill>
@@ -3576,13 +3314,6 @@
               </a:rPr>
               <a:t>frecuencias estadísticas</a:t>
             </a:r>
-            <a:endParaRPr lang="es-ES" sz="900" dirty="0">
-              <a:solidFill>
-                <a:schemeClr val="tx1"/>
-              </a:solidFill>
-              <a:latin typeface="Arial" panose="020B0604020202020204" pitchFamily="34" charset="0"/>
-              <a:cs typeface="Arial" panose="020B0604020202020204" pitchFamily="34" charset="0"/>
-            </a:endParaRPr>
           </a:p>
         </p:txBody>
       </p:sp>
@@ -3594,7 +3325,7 @@
         </p:nvSpPr>
         <p:spPr>
           <a:xfrm>
-            <a:off x="7593825" y="3238054"/>
+            <a:off x="7538961" y="3222919"/>
             <a:ext cx="1117174" cy="230832"/>
           </a:xfrm>
           <a:prstGeom prst="rect">
@@ -3610,16 +3341,12 @@
           <a:p>
             <a:pPr algn="ctr"/>
             <a:r>
-              <a:rPr lang="es-ES" sz="900" dirty="0" smtClean="0">
+              <a:rPr lang="es-ES" sz="900" dirty="0">
                 <a:latin typeface="Arial" panose="020B0604020202020204" pitchFamily="34" charset="0"/>
                 <a:cs typeface="Arial" panose="020B0604020202020204" pitchFamily="34" charset="0"/>
               </a:rPr>
               <a:t>se relaciona con</a:t>
             </a:r>
-            <a:endParaRPr lang="es-ES" sz="900" dirty="0">
-              <a:latin typeface="Arial" panose="020B0604020202020204" pitchFamily="34" charset="0"/>
-              <a:cs typeface="Arial" panose="020B0604020202020204" pitchFamily="34" charset="0"/>
-            </a:endParaRPr>
           </a:p>
         </p:txBody>
       </p:sp>
@@ -3634,8 +3361,8 @@
         </p:nvCxnSpPr>
         <p:spPr>
           <a:xfrm rot="16200000" flipH="1">
-            <a:off x="7629894" y="2715536"/>
-            <a:ext cx="223674" cy="821362"/>
+            <a:off x="7551527" y="2676897"/>
+            <a:ext cx="325545" cy="766498"/>
           </a:xfrm>
           <a:prstGeom prst="bentConnector3">
             <a:avLst>
@@ -3674,8 +3401,8 @@
         </p:nvCxnSpPr>
         <p:spPr>
           <a:xfrm rot="5400000">
-            <a:off x="8079394" y="3538398"/>
-            <a:ext cx="142530" cy="3506"/>
+            <a:off x="8020623" y="3527170"/>
+            <a:ext cx="150345" cy="3506"/>
           </a:xfrm>
           <a:prstGeom prst="bentConnector3">
             <a:avLst>
@@ -3713,9 +3440,9 @@
           <p:nvPr/>
         </p:nvCxnSpPr>
         <p:spPr>
-          <a:xfrm rot="16200000" flipH="1">
-            <a:off x="8072291" y="4041550"/>
-            <a:ext cx="163009" cy="9778"/>
+          <a:xfrm rot="5400000">
+            <a:off x="8011331" y="4037912"/>
+            <a:ext cx="163009" cy="2414"/>
           </a:xfrm>
           <a:prstGeom prst="bentConnector3">
             <a:avLst>
@@ -3751,8 +3478,8 @@
         </p:nvSpPr>
         <p:spPr>
           <a:xfrm>
-            <a:off x="7483168" y="4481015"/>
-            <a:ext cx="1351032" cy="716621"/>
+            <a:off x="7457554" y="4473695"/>
+            <a:ext cx="1272975" cy="716621"/>
           </a:xfrm>
           <a:prstGeom prst="rect">
             <a:avLst/>
@@ -3785,7 +3512,7 @@
           <a:lstStyle/>
           <a:p>
             <a:r>
-              <a:rPr lang="es-ES" sz="900" dirty="0" smtClean="0">
+              <a:rPr lang="es-ES" sz="900" dirty="0">
                 <a:solidFill>
                   <a:schemeClr val="tx1"/>
                 </a:solidFill>
@@ -3797,7 +3524,7 @@
           </a:p>
           <a:p>
             <a:r>
-              <a:rPr lang="es-ES" sz="900" dirty="0" smtClean="0">
+              <a:rPr lang="es-ES" sz="900" dirty="0">
                 <a:solidFill>
                   <a:schemeClr val="tx1"/>
                 </a:solidFill>
@@ -3806,13 +3533,6 @@
               </a:rPr>
               <a:t>- Las tablas de contingencia</a:t>
             </a:r>
-            <a:endParaRPr lang="es-ES" sz="900" dirty="0">
-              <a:solidFill>
-                <a:schemeClr val="tx1"/>
-              </a:solidFill>
-              <a:latin typeface="Arial" panose="020B0604020202020204" pitchFamily="34" charset="0"/>
-              <a:cs typeface="Arial" panose="020B0604020202020204" pitchFamily="34" charset="0"/>
-            </a:endParaRPr>
           </a:p>
         </p:txBody>
       </p:sp>
@@ -3824,7 +3544,7 @@
         </p:nvSpPr>
         <p:spPr>
           <a:xfrm>
-            <a:off x="7600097" y="4127944"/>
+            <a:off x="7533041" y="4120624"/>
             <a:ext cx="1117174" cy="230832"/>
           </a:xfrm>
           <a:prstGeom prst="rect">
@@ -3840,16 +3560,12 @@
           <a:p>
             <a:pPr algn="ctr"/>
             <a:r>
-              <a:rPr lang="es-ES" sz="900" dirty="0" smtClean="0">
+              <a:rPr lang="es-ES" sz="900" dirty="0">
                 <a:latin typeface="Arial" panose="020B0604020202020204" pitchFamily="34" charset="0"/>
                 <a:cs typeface="Arial" panose="020B0604020202020204" pitchFamily="34" charset="0"/>
               </a:rPr>
               <a:t>como </a:t>
             </a:r>
-            <a:endParaRPr lang="es-ES" sz="900" dirty="0">
-              <a:latin typeface="Arial" panose="020B0604020202020204" pitchFamily="34" charset="0"/>
-              <a:cs typeface="Arial" panose="020B0604020202020204" pitchFamily="34" charset="0"/>
-            </a:endParaRPr>
           </a:p>
         </p:txBody>
       </p:sp>
@@ -3863,9 +3579,9 @@
           <p:nvPr/>
         </p:nvCxnSpPr>
         <p:spPr>
-          <a:xfrm rot="5400000" flipH="1" flipV="1">
-            <a:off x="8097565" y="4419896"/>
-            <a:ext cx="122239" cy="12700"/>
+          <a:xfrm rot="16200000" flipV="1">
+            <a:off x="8031716" y="4411369"/>
+            <a:ext cx="122239" cy="2414"/>
           </a:xfrm>
           <a:prstGeom prst="bentConnector3">
             <a:avLst/>
@@ -3901,13 +3617,6 @@
   <p:clrMapOvr>
     <a:masterClrMapping/>
   </p:clrMapOvr>
-  <p:timing>
-    <p:tnLst>
-      <p:par>
-        <p:cTn id="1" dur="indefinite" restart="never" nodeType="tmRoot"/>
-      </p:par>
-    </p:tnLst>
-  </p:timing>
 </p:sld>
 </file>
 
